--- a/2021-12-04/php-1.pptx
+++ b/2021-12-04/php-1.pptx
@@ -5,7 +5,7 @@
     <p:sldMasterId id="2147483660" r:id="rId1"/>
   </p:sldMasterIdLst>
   <p:handoutMasterIdLst>
-    <p:handoutMasterId r:id="rId24"/>
+    <p:handoutMasterId r:id="rId23"/>
   </p:handoutMasterIdLst>
   <p:sldIdLst>
     <p:sldId id="326" r:id="rId2"/>
@@ -17,19 +17,18 @@
     <p:sldId id="340" r:id="rId8"/>
     <p:sldId id="330" r:id="rId9"/>
     <p:sldId id="342" r:id="rId10"/>
-    <p:sldId id="344" r:id="rId11"/>
-    <p:sldId id="331" r:id="rId12"/>
-    <p:sldId id="335" r:id="rId13"/>
-    <p:sldId id="345" r:id="rId14"/>
-    <p:sldId id="332" r:id="rId15"/>
-    <p:sldId id="336" r:id="rId16"/>
-    <p:sldId id="346" r:id="rId17"/>
-    <p:sldId id="348" r:id="rId18"/>
-    <p:sldId id="349" r:id="rId19"/>
-    <p:sldId id="351" r:id="rId20"/>
-    <p:sldId id="352" r:id="rId21"/>
-    <p:sldId id="350" r:id="rId22"/>
-    <p:sldId id="304" r:id="rId23"/>
+    <p:sldId id="331" r:id="rId11"/>
+    <p:sldId id="335" r:id="rId12"/>
+    <p:sldId id="345" r:id="rId13"/>
+    <p:sldId id="332" r:id="rId14"/>
+    <p:sldId id="336" r:id="rId15"/>
+    <p:sldId id="346" r:id="rId16"/>
+    <p:sldId id="348" r:id="rId17"/>
+    <p:sldId id="349" r:id="rId18"/>
+    <p:sldId id="351" r:id="rId19"/>
+    <p:sldId id="352" r:id="rId20"/>
+    <p:sldId id="350" r:id="rId21"/>
+    <p:sldId id="304" r:id="rId22"/>
   </p:sldIdLst>
   <p:sldSz cx="12192000" cy="6858000"/>
   <p:notesSz cx="6858000" cy="9144000"/>
@@ -1583,111 +1582,6 @@
           <p:cNvPr id="2" name="Titel 1">
             <a:extLst>
               <a:ext uri="{FF2B5EF4-FFF2-40B4-BE49-F238E27FC236}">
-                <a16:creationId xmlns:a16="http://schemas.microsoft.com/office/drawing/2014/main" id="{F0843CFC-C664-41C8-BD4D-D9DD2D38DC96}"/>
-              </a:ext>
-            </a:extLst>
-          </p:cNvPr>
-          <p:cNvSpPr>
-            <a:spLocks noGrp="1"/>
-          </p:cNvSpPr>
-          <p:nvPr>
-            <p:ph type="title"/>
-          </p:nvPr>
-        </p:nvSpPr>
-        <p:spPr/>
-        <p:txBody>
-          <a:bodyPr/>
-          <a:lstStyle/>
-          <a:p>
-            <a:r>
-              <a:rPr lang="de-AT" dirty="0"/>
-              <a:t>Übung</a:t>
-            </a:r>
-          </a:p>
-        </p:txBody>
-      </p:sp>
-      <p:sp>
-        <p:nvSpPr>
-          <p:cNvPr id="3" name="Textplatzhalter 2">
-            <a:extLst>
-              <a:ext uri="{FF2B5EF4-FFF2-40B4-BE49-F238E27FC236}">
-                <a16:creationId xmlns:a16="http://schemas.microsoft.com/office/drawing/2014/main" id="{9CDEB1F1-A8E2-4012-A1A9-624B0BE555C7}"/>
-              </a:ext>
-            </a:extLst>
-          </p:cNvPr>
-          <p:cNvSpPr>
-            <a:spLocks noGrp="1"/>
-          </p:cNvSpPr>
-          <p:nvPr>
-            <p:ph type="body" sz="quarter" idx="13"/>
-          </p:nvPr>
-        </p:nvSpPr>
-        <p:spPr>
-          <a:xfrm>
-            <a:off x="949136" y="2626729"/>
-            <a:ext cx="10293728" cy="802271"/>
-          </a:xfrm>
-        </p:spPr>
-        <p:txBody>
-          <a:bodyPr/>
-          <a:lstStyle/>
-          <a:p>
-            <a:pPr marL="342900" indent="-342900">
-              <a:buFont typeface="+mj-lt"/>
-              <a:buAutoNum type="arabicPeriod"/>
-            </a:pPr>
-            <a:r>
-              <a:rPr lang="de-AT" dirty="0"/>
-              <a:t>Erstelle ein Programm, das die Besucher deiner Seite begrüßt</a:t>
-            </a:r>
-          </a:p>
-          <a:p>
-            <a:pPr marL="342900" indent="-342900">
-              <a:buFont typeface="+mj-lt"/>
-              <a:buAutoNum type="arabicPeriod"/>
-            </a:pPr>
-            <a:r>
-              <a:rPr lang="de-AT" dirty="0"/>
-              <a:t>Zeige drei verschiedene Möglichkeiten auf, um die Zahl 8 als Ausgabe eines PHP-Programms darzustellen und erkläre die Unterschiede unter jeder Ausgabe im HTML File</a:t>
-            </a:r>
-          </a:p>
-        </p:txBody>
-      </p:sp>
-    </p:spTree>
-    <p:extLst>
-      <p:ext uri="{BB962C8B-B14F-4D97-AF65-F5344CB8AC3E}">
-        <p14:creationId xmlns:p14="http://schemas.microsoft.com/office/powerpoint/2010/main" val="581213993"/>
-      </p:ext>
-    </p:extLst>
-  </p:cSld>
-  <p:clrMapOvr>
-    <a:masterClrMapping/>
-  </p:clrMapOvr>
-</p:sld>
-</file>
-
-<file path=ppt/slides/slide11.xml><?xml version="1.0" encoding="utf-8"?>
-<p:sld xmlns:a="http://schemas.openxmlformats.org/drawingml/2006/main" xmlns:r="http://schemas.openxmlformats.org/officeDocument/2006/relationships" xmlns:p="http://schemas.openxmlformats.org/presentationml/2006/main">
-  <p:cSld>
-    <p:spTree>
-      <p:nvGrpSpPr>
-        <p:cNvPr id="1" name=""/>
-        <p:cNvGrpSpPr/>
-        <p:nvPr/>
-      </p:nvGrpSpPr>
-      <p:grpSpPr>
-        <a:xfrm>
-          <a:off x="0" y="0"/>
-          <a:ext cx="0" cy="0"/>
-          <a:chOff x="0" y="0"/>
-          <a:chExt cx="0" cy="0"/>
-        </a:xfrm>
-      </p:grpSpPr>
-      <p:sp>
-        <p:nvSpPr>
-          <p:cNvPr id="2" name="Titel 1">
-            <a:extLst>
-              <a:ext uri="{FF2B5EF4-FFF2-40B4-BE49-F238E27FC236}">
                 <a16:creationId xmlns:a16="http://schemas.microsoft.com/office/drawing/2014/main" id="{5D88A30D-A497-4A7E-A620-4B75944549F2}"/>
               </a:ext>
             </a:extLst>
@@ -1740,7 +1634,7 @@
 </p:sld>
 </file>
 
-<file path=ppt/slides/slide12.xml><?xml version="1.0" encoding="utf-8"?>
+<file path=ppt/slides/slide11.xml><?xml version="1.0" encoding="utf-8"?>
 <p:sld xmlns:a="http://schemas.openxmlformats.org/drawingml/2006/main" xmlns:r="http://schemas.openxmlformats.org/officeDocument/2006/relationships" xmlns:p="http://schemas.openxmlformats.org/presentationml/2006/main">
   <p:cSld>
     <p:spTree>
@@ -4298,7 +4192,7 @@
 </p:sld>
 </file>
 
-<file path=ppt/slides/slide13.xml><?xml version="1.0" encoding="utf-8"?>
+<file path=ppt/slides/slide12.xml><?xml version="1.0" encoding="utf-8"?>
 <p:sld xmlns:a="http://schemas.openxmlformats.org/drawingml/2006/main" xmlns:r="http://schemas.openxmlformats.org/officeDocument/2006/relationships" xmlns:p="http://schemas.openxmlformats.org/presentationml/2006/main">
   <p:cSld>
     <p:spTree>
@@ -5806,7 +5700,7 @@
 </p:sld>
 </file>
 
-<file path=ppt/slides/slide14.xml><?xml version="1.0" encoding="utf-8"?>
+<file path=ppt/slides/slide13.xml><?xml version="1.0" encoding="utf-8"?>
 <p:sld xmlns:a="http://schemas.openxmlformats.org/drawingml/2006/main" xmlns:r="http://schemas.openxmlformats.org/officeDocument/2006/relationships" xmlns:p="http://schemas.openxmlformats.org/presentationml/2006/main">
   <p:cSld>
     <p:spTree>
@@ -5880,7 +5774,7 @@
 </p:sld>
 </file>
 
-<file path=ppt/slides/slide15.xml><?xml version="1.0" encoding="utf-8"?>
+<file path=ppt/slides/slide14.xml><?xml version="1.0" encoding="utf-8"?>
 <p:sld xmlns:a="http://schemas.openxmlformats.org/drawingml/2006/main" xmlns:r="http://schemas.openxmlformats.org/officeDocument/2006/relationships" xmlns:p="http://schemas.openxmlformats.org/presentationml/2006/main">
   <p:cSld>
     <p:spTree>
@@ -6261,7 +6155,7 @@
 </p:sld>
 </file>
 
-<file path=ppt/slides/slide16.xml><?xml version="1.0" encoding="utf-8"?>
+<file path=ppt/slides/slide15.xml><?xml version="1.0" encoding="utf-8"?>
 <p:sld xmlns:a="http://schemas.openxmlformats.org/drawingml/2006/main" xmlns:r="http://schemas.openxmlformats.org/officeDocument/2006/relationships" xmlns:p="http://schemas.openxmlformats.org/presentationml/2006/main">
   <p:cSld>
     <p:spTree>
@@ -7161,7 +7055,7 @@
 </p:sld>
 </file>
 
-<file path=ppt/slides/slide17.xml><?xml version="1.0" encoding="utf-8"?>
+<file path=ppt/slides/slide16.xml><?xml version="1.0" encoding="utf-8"?>
 <p:sld xmlns:a="http://schemas.openxmlformats.org/drawingml/2006/main" xmlns:r="http://schemas.openxmlformats.org/officeDocument/2006/relationships" xmlns:p="http://schemas.openxmlformats.org/presentationml/2006/main">
   <p:cSld>
     <p:spTree>
@@ -7867,7 +7761,7 @@
 </p:sld>
 </file>
 
-<file path=ppt/slides/slide18.xml><?xml version="1.0" encoding="utf-8"?>
+<file path=ppt/slides/slide17.xml><?xml version="1.0" encoding="utf-8"?>
 <p:sld xmlns:a="http://schemas.openxmlformats.org/drawingml/2006/main" xmlns:r="http://schemas.openxmlformats.org/officeDocument/2006/relationships" xmlns:p="http://schemas.openxmlformats.org/presentationml/2006/main">
   <p:cSld>
     <p:spTree>
@@ -10165,7 +10059,7 @@
 </p:sld>
 </file>
 
-<file path=ppt/slides/slide19.xml><?xml version="1.0" encoding="utf-8"?>
+<file path=ppt/slides/slide18.xml><?xml version="1.0" encoding="utf-8"?>
 <p:sld xmlns:a="http://schemas.openxmlformats.org/drawingml/2006/main" xmlns:r="http://schemas.openxmlformats.org/officeDocument/2006/relationships" xmlns:p="http://schemas.openxmlformats.org/presentationml/2006/main">
   <p:cSld>
     <p:spTree>
@@ -12920,81 +12814,7 @@
 </p:sld>
 </file>
 
-<file path=ppt/slides/slide2.xml><?xml version="1.0" encoding="utf-8"?>
-<p:sld xmlns:a="http://schemas.openxmlformats.org/drawingml/2006/main" xmlns:r="http://schemas.openxmlformats.org/officeDocument/2006/relationships" xmlns:p="http://schemas.openxmlformats.org/presentationml/2006/main">
-  <p:cSld>
-    <p:spTree>
-      <p:nvGrpSpPr>
-        <p:cNvPr id="1" name=""/>
-        <p:cNvGrpSpPr/>
-        <p:nvPr/>
-      </p:nvGrpSpPr>
-      <p:grpSpPr>
-        <a:xfrm>
-          <a:off x="0" y="0"/>
-          <a:ext cx="0" cy="0"/>
-          <a:chOff x="0" y="0"/>
-          <a:chExt cx="0" cy="0"/>
-        </a:xfrm>
-      </p:grpSpPr>
-      <p:sp>
-        <p:nvSpPr>
-          <p:cNvPr id="6" name="Titel 5">
-            <a:extLst>
-              <a:ext uri="{FF2B5EF4-FFF2-40B4-BE49-F238E27FC236}">
-                <a16:creationId xmlns:a16="http://schemas.microsoft.com/office/drawing/2014/main" id="{44091D62-B7A0-44C2-AD83-394DF6E24553}"/>
-              </a:ext>
-            </a:extLst>
-          </p:cNvPr>
-          <p:cNvSpPr>
-            <a:spLocks noGrp="1"/>
-          </p:cNvSpPr>
-          <p:nvPr>
-            <p:ph type="title"/>
-          </p:nvPr>
-        </p:nvSpPr>
-        <p:spPr/>
-        <p:txBody>
-          <a:bodyPr/>
-          <a:lstStyle/>
-          <a:p>
-            <a:r>
-              <a:rPr lang="de-AT" dirty="0">
-                <a:solidFill>
-                  <a:schemeClr val="tx1"/>
-                </a:solidFill>
-              </a:rPr>
-              <a:t>Einführung</a:t>
-            </a:r>
-          </a:p>
-        </p:txBody>
-      </p:sp>
-    </p:spTree>
-    <p:extLst>
-      <p:ext uri="{BB962C8B-B14F-4D97-AF65-F5344CB8AC3E}">
-        <p14:creationId xmlns:p14="http://schemas.microsoft.com/office/powerpoint/2010/main" val="995290392"/>
-      </p:ext>
-    </p:extLst>
-  </p:cSld>
-  <p:clrMapOvr>
-    <a:masterClrMapping/>
-  </p:clrMapOvr>
-  <mc:AlternateContent xmlns:mc="http://schemas.openxmlformats.org/markup-compatibility/2006" xmlns:p159="http://schemas.microsoft.com/office/powerpoint/2015/09/main">
-    <mc:Choice Requires="p159">
-      <p:transition xmlns:p14="http://schemas.microsoft.com/office/powerpoint/2010/main" spd="slow" p14:dur="2000">
-        <p159:morph option="byObject"/>
-      </p:transition>
-    </mc:Choice>
-    <mc:Fallback xmlns="">
-      <p:transition spd="slow">
-        <p:fade/>
-      </p:transition>
-    </mc:Fallback>
-  </mc:AlternateContent>
-</p:sld>
-</file>
-
-<file path=ppt/slides/slide20.xml><?xml version="1.0" encoding="utf-8"?>
+<file path=ppt/slides/slide19.xml><?xml version="1.0" encoding="utf-8"?>
 <p:sld xmlns:a="http://schemas.openxmlformats.org/drawingml/2006/main" xmlns:r="http://schemas.openxmlformats.org/officeDocument/2006/relationships" xmlns:p="http://schemas.openxmlformats.org/presentationml/2006/main">
   <p:cSld>
     <p:spTree>
@@ -15675,7 +15495,81 @@
 </p:sld>
 </file>
 
-<file path=ppt/slides/slide21.xml><?xml version="1.0" encoding="utf-8"?>
+<file path=ppt/slides/slide2.xml><?xml version="1.0" encoding="utf-8"?>
+<p:sld xmlns:a="http://schemas.openxmlformats.org/drawingml/2006/main" xmlns:r="http://schemas.openxmlformats.org/officeDocument/2006/relationships" xmlns:p="http://schemas.openxmlformats.org/presentationml/2006/main">
+  <p:cSld>
+    <p:spTree>
+      <p:nvGrpSpPr>
+        <p:cNvPr id="1" name=""/>
+        <p:cNvGrpSpPr/>
+        <p:nvPr/>
+      </p:nvGrpSpPr>
+      <p:grpSpPr>
+        <a:xfrm>
+          <a:off x="0" y="0"/>
+          <a:ext cx="0" cy="0"/>
+          <a:chOff x="0" y="0"/>
+          <a:chExt cx="0" cy="0"/>
+        </a:xfrm>
+      </p:grpSpPr>
+      <p:sp>
+        <p:nvSpPr>
+          <p:cNvPr id="6" name="Titel 5">
+            <a:extLst>
+              <a:ext uri="{FF2B5EF4-FFF2-40B4-BE49-F238E27FC236}">
+                <a16:creationId xmlns:a16="http://schemas.microsoft.com/office/drawing/2014/main" id="{44091D62-B7A0-44C2-AD83-394DF6E24553}"/>
+              </a:ext>
+            </a:extLst>
+          </p:cNvPr>
+          <p:cNvSpPr>
+            <a:spLocks noGrp="1"/>
+          </p:cNvSpPr>
+          <p:nvPr>
+            <p:ph type="title"/>
+          </p:nvPr>
+        </p:nvSpPr>
+        <p:spPr/>
+        <p:txBody>
+          <a:bodyPr/>
+          <a:lstStyle/>
+          <a:p>
+            <a:r>
+              <a:rPr lang="de-AT" dirty="0">
+                <a:solidFill>
+                  <a:schemeClr val="tx1"/>
+                </a:solidFill>
+              </a:rPr>
+              <a:t>Einführung</a:t>
+            </a:r>
+          </a:p>
+        </p:txBody>
+      </p:sp>
+    </p:spTree>
+    <p:extLst>
+      <p:ext uri="{BB962C8B-B14F-4D97-AF65-F5344CB8AC3E}">
+        <p14:creationId xmlns:p14="http://schemas.microsoft.com/office/powerpoint/2010/main" val="995290392"/>
+      </p:ext>
+    </p:extLst>
+  </p:cSld>
+  <p:clrMapOvr>
+    <a:masterClrMapping/>
+  </p:clrMapOvr>
+  <mc:AlternateContent xmlns:mc="http://schemas.openxmlformats.org/markup-compatibility/2006" xmlns:p159="http://schemas.microsoft.com/office/powerpoint/2015/09/main">
+    <mc:Choice Requires="p159">
+      <p:transition xmlns:p14="http://schemas.microsoft.com/office/powerpoint/2010/main" spd="slow" p14:dur="2000">
+        <p159:morph option="byObject"/>
+      </p:transition>
+    </mc:Choice>
+    <mc:Fallback xmlns="">
+      <p:transition spd="slow">
+        <p:fade/>
+      </p:transition>
+    </mc:Fallback>
+  </mc:AlternateContent>
+</p:sld>
+</file>
+
+<file path=ppt/slides/slide20.xml><?xml version="1.0" encoding="utf-8"?>
 <p:sld xmlns:a="http://schemas.openxmlformats.org/drawingml/2006/main" xmlns:r="http://schemas.openxmlformats.org/officeDocument/2006/relationships" xmlns:p="http://schemas.openxmlformats.org/presentationml/2006/main">
   <p:cSld>
     <p:spTree>
@@ -15852,7 +15746,7 @@
 </p:sld>
 </file>
 
-<file path=ppt/slides/slide22.xml><?xml version="1.0" encoding="utf-8"?>
+<file path=ppt/slides/slide21.xml><?xml version="1.0" encoding="utf-8"?>
 <p:sld xmlns:a="http://schemas.openxmlformats.org/drawingml/2006/main" xmlns:r="http://schemas.openxmlformats.org/officeDocument/2006/relationships" xmlns:p="http://schemas.openxmlformats.org/presentationml/2006/main">
   <p:cSld>
     <p:spTree>
